--- a/Presentation Assets/LOGISTIC REGRESSION for IMAGE CLASSIFICATION.pptx
+++ b/Presentation Assets/LOGISTIC REGRESSION for IMAGE CLASSIFICATION.pptx
@@ -209,7 +209,7 @@
           <a:p>
             <a:fld id="{9FF2B0C7-DA40-854A-82BA-47AD9ABF4BA0}" type="datetimeFigureOut">
               <a:rPr lang="en-GB" smtClean="0"/>
-              <a:t>16/11/2023</a:t>
+              <a:t>17/11/2023</a:t>
             </a:fld>
             <a:endParaRPr lang="en-GB"/>
           </a:p>
@@ -712,7 +712,7 @@
           <a:p>
             <a:fld id="{1ECB5883-038C-4696-8E27-1811E470D6D4}" type="datetime1">
               <a:rPr lang="en-US" smtClean="0"/>
-              <a:t>11/16/23</a:t>
+              <a:t>11/17/23</a:t>
             </a:fld>
             <a:endParaRPr lang="en-US"/>
           </a:p>
@@ -913,7 +913,7 @@
           <a:p>
             <a:fld id="{61E8A6D4-154B-4E4D-9001-7A6C328D243E}" type="datetime1">
               <a:rPr lang="en-US" smtClean="0"/>
-              <a:t>11/16/23</a:t>
+              <a:t>11/17/23</a:t>
             </a:fld>
             <a:endParaRPr lang="en-US"/>
           </a:p>
@@ -1124,7 +1124,7 @@
           <a:p>
             <a:fld id="{EF880999-9BD6-4929-BDEC-B84E21C16701}" type="datetime1">
               <a:rPr lang="en-US" smtClean="0"/>
-              <a:t>11/16/23</a:t>
+              <a:t>11/17/23</a:t>
             </a:fld>
             <a:endParaRPr lang="en-US"/>
           </a:p>
@@ -1325,7 +1325,7 @@
           <a:p>
             <a:fld id="{579F6069-8263-4296-913A-BC2234E8D32B}" type="datetime1">
               <a:rPr lang="en-US" smtClean="0"/>
-              <a:t>11/16/23</a:t>
+              <a:t>11/17/23</a:t>
             </a:fld>
             <a:endParaRPr lang="en-US"/>
           </a:p>
@@ -1605,7 +1605,7 @@
           <a:p>
             <a:fld id="{BC9F5005-EC25-4FB9-B19B-2437F0B120D2}" type="datetime1">
               <a:rPr lang="en-US" smtClean="0"/>
-              <a:t>11/16/23</a:t>
+              <a:t>11/17/23</a:t>
             </a:fld>
             <a:endParaRPr lang="en-US"/>
           </a:p>
@@ -1873,7 +1873,7 @@
           <a:p>
             <a:fld id="{0B283B5C-2325-42FF-AF91-C1451D9D66CC}" type="datetime1">
               <a:rPr lang="en-US" smtClean="0"/>
-              <a:t>11/16/23</a:t>
+              <a:t>11/17/23</a:t>
             </a:fld>
             <a:endParaRPr lang="en-US"/>
           </a:p>
@@ -2292,7 +2292,7 @@
           <a:p>
             <a:fld id="{0F88DB08-3B01-46DD-99F2-F6F6334EA669}" type="datetime1">
               <a:rPr lang="en-US" smtClean="0"/>
-              <a:t>11/16/23</a:t>
+              <a:t>11/17/23</a:t>
             </a:fld>
             <a:endParaRPr lang="en-US"/>
           </a:p>
@@ -2436,7 +2436,7 @@
           <a:p>
             <a:fld id="{5892AC11-ACC3-4129-BBD7-C580BF1A4EE7}" type="datetime1">
               <a:rPr lang="en-US" smtClean="0"/>
-              <a:t>11/16/23</a:t>
+              <a:t>11/17/23</a:t>
             </a:fld>
             <a:endParaRPr lang="en-US"/>
           </a:p>
@@ -2552,7 +2552,7 @@
           <a:p>
             <a:fld id="{6D80F7F3-E406-44E2-93AF-674B3F1A2E51}" type="datetime1">
               <a:rPr lang="en-US" smtClean="0"/>
-              <a:t>11/16/23</a:t>
+              <a:t>11/17/23</a:t>
             </a:fld>
             <a:endParaRPr lang="en-US"/>
           </a:p>
@@ -2870,7 +2870,7 @@
           <a:p>
             <a:fld id="{2FB1DD93-7C9D-4E53-81F0-DDE57FEA7EDB}" type="datetime1">
               <a:rPr lang="en-US" smtClean="0"/>
-              <a:t>11/16/23</a:t>
+              <a:t>11/17/23</a:t>
             </a:fld>
             <a:endParaRPr lang="en-US"/>
           </a:p>
@@ -3163,7 +3163,7 @@
           <a:p>
             <a:fld id="{3DF7BC28-59DE-4F83-B4A1-497203279FAD}" type="datetime1">
               <a:rPr lang="en-US" smtClean="0"/>
-              <a:t>11/16/23</a:t>
+              <a:t>11/17/23</a:t>
             </a:fld>
             <a:endParaRPr lang="en-US"/>
           </a:p>
@@ -3463,7 +3463,7 @@
           <a:p>
             <a:fld id="{0BDC4764-F656-4735-9820-9886F8DF1D6A}" type="datetime1">
               <a:rPr lang="en-US" smtClean="0"/>
-              <a:t>11/16/23</a:t>
+              <a:t>11/17/23</a:t>
             </a:fld>
             <a:endParaRPr lang="en-US" dirty="0"/>
           </a:p>
@@ -5712,6 +5712,238 @@
           <a:chExt cx="0" cy="0"/>
         </a:xfrm>
       </p:grpSpPr>
+      <p:graphicFrame>
+        <p:nvGraphicFramePr>
+          <p:cNvPr id="6" name="Tabella 5">
+            <a:extLst>
+              <a:ext uri="{FF2B5EF4-FFF2-40B4-BE49-F238E27FC236}">
+                <a16:creationId xmlns:a16="http://schemas.microsoft.com/office/drawing/2014/main" id="{42E289C6-F960-5813-E0B3-E4F841B5B6D0}"/>
+              </a:ext>
+            </a:extLst>
+          </p:cNvPr>
+          <p:cNvGraphicFramePr>
+            <a:graphicFrameLocks noGrp="1"/>
+          </p:cNvGraphicFramePr>
+          <p:nvPr>
+            <p:extLst>
+              <p:ext uri="{D42A27DB-BD31-4B8C-83A1-F6EECF244321}">
+                <p14:modId xmlns:p14="http://schemas.microsoft.com/office/powerpoint/2010/main" val="565633041"/>
+              </p:ext>
+            </p:extLst>
+          </p:nvPr>
+        </p:nvGraphicFramePr>
+        <p:xfrm>
+          <a:off x="1694264" y="934930"/>
+          <a:ext cx="1852609" cy="1285617"/>
+        </p:xfrm>
+        <a:graphic>
+          <a:graphicData uri="http://schemas.openxmlformats.org/drawingml/2006/table">
+            <a:tbl>
+              <a:tblPr>
+                <a:tableStyleId>{5C22544A-7EE6-4342-B048-85BDC9FD1C3A}</a:tableStyleId>
+              </a:tblPr>
+              <a:tblGrid>
+                <a:gridCol w="625793">
+                  <a:extLst>
+                    <a:ext uri="{9D8B030D-6E8A-4147-A177-3AD203B41FA5}">
+                      <a16:colId xmlns:a16="http://schemas.microsoft.com/office/drawing/2014/main" val="1575068291"/>
+                    </a:ext>
+                  </a:extLst>
+                </a:gridCol>
+                <a:gridCol w="613408">
+                  <a:extLst>
+                    <a:ext uri="{9D8B030D-6E8A-4147-A177-3AD203B41FA5}">
+                      <a16:colId xmlns:a16="http://schemas.microsoft.com/office/drawing/2014/main" val="2370239048"/>
+                    </a:ext>
+                  </a:extLst>
+                </a:gridCol>
+                <a:gridCol w="613408">
+                  <a:extLst>
+                    <a:ext uri="{9D8B030D-6E8A-4147-A177-3AD203B41FA5}">
+                      <a16:colId xmlns:a16="http://schemas.microsoft.com/office/drawing/2014/main" val="77894203"/>
+                    </a:ext>
+                  </a:extLst>
+                </a:gridCol>
+              </a:tblGrid>
+              <a:tr h="428539">
+                <a:tc>
+                  <a:txBody>
+                    <a:bodyPr/>
+                    <a:lstStyle/>
+                    <a:p>
+                      <a:pPr algn="ctr"/>
+                      <a:r>
+                        <a:rPr lang="en-GB" sz="1200" dirty="0"/>
+                        <a:t>px1: B</a:t>
+                      </a:r>
+                    </a:p>
+                  </a:txBody>
+                  <a:tcPr anchor="ctr">
+                    <a:solidFill>
+                      <a:srgbClr val="00B0F0"/>
+                    </a:solidFill>
+                  </a:tcPr>
+                </a:tc>
+                <a:tc>
+                  <a:txBody>
+                    <a:bodyPr/>
+                    <a:lstStyle/>
+                    <a:p>
+                      <a:r>
+                        <a:rPr lang="en-GB" sz="1200" dirty="0"/>
+                        <a:t>px2: B</a:t>
+                      </a:r>
+                    </a:p>
+                  </a:txBody>
+                  <a:tcPr anchor="ctr">
+                    <a:solidFill>
+                      <a:srgbClr val="00B0F0"/>
+                    </a:solidFill>
+                  </a:tcPr>
+                </a:tc>
+                <a:tc>
+                  <a:txBody>
+                    <a:bodyPr/>
+                    <a:lstStyle/>
+                    <a:p>
+                      <a:r>
+                        <a:rPr lang="en-GB" sz="1200" dirty="0"/>
+                        <a:t>px3: B</a:t>
+                      </a:r>
+                    </a:p>
+                  </a:txBody>
+                  <a:tcPr anchor="ctr">
+                    <a:solidFill>
+                      <a:srgbClr val="00B0F0"/>
+                    </a:solidFill>
+                  </a:tcPr>
+                </a:tc>
+                <a:extLst>
+                  <a:ext uri="{0D108BD9-81ED-4DB2-BD59-A6C34878D82A}">
+                    <a16:rowId xmlns:a16="http://schemas.microsoft.com/office/drawing/2014/main" val="4206962069"/>
+                  </a:ext>
+                </a:extLst>
+              </a:tr>
+              <a:tr h="428539">
+                <a:tc>
+                  <a:txBody>
+                    <a:bodyPr/>
+                    <a:lstStyle/>
+                    <a:p>
+                      <a:r>
+                        <a:rPr lang="en-GB" sz="1200" dirty="0"/>
+                        <a:t>px4: B</a:t>
+                      </a:r>
+                    </a:p>
+                  </a:txBody>
+                  <a:tcPr anchor="ctr">
+                    <a:solidFill>
+                      <a:srgbClr val="00B0F0"/>
+                    </a:solidFill>
+                  </a:tcPr>
+                </a:tc>
+                <a:tc>
+                  <a:txBody>
+                    <a:bodyPr/>
+                    <a:lstStyle/>
+                    <a:p>
+                      <a:r>
+                        <a:rPr lang="en-GB" sz="1200" dirty="0"/>
+                        <a:t>Px5: B</a:t>
+                      </a:r>
+                    </a:p>
+                  </a:txBody>
+                  <a:tcPr anchor="ctr">
+                    <a:solidFill>
+                      <a:srgbClr val="00B0F0"/>
+                    </a:solidFill>
+                  </a:tcPr>
+                </a:tc>
+                <a:tc>
+                  <a:txBody>
+                    <a:bodyPr/>
+                    <a:lstStyle/>
+                    <a:p>
+                      <a:r>
+                        <a:rPr lang="en-GB" sz="1200" dirty="0"/>
+                        <a:t>px6: B</a:t>
+                      </a:r>
+                    </a:p>
+                  </a:txBody>
+                  <a:tcPr anchor="ctr">
+                    <a:solidFill>
+                      <a:srgbClr val="00B0F0"/>
+                    </a:solidFill>
+                  </a:tcPr>
+                </a:tc>
+                <a:extLst>
+                  <a:ext uri="{0D108BD9-81ED-4DB2-BD59-A6C34878D82A}">
+                    <a16:rowId xmlns:a16="http://schemas.microsoft.com/office/drawing/2014/main" val="1968883478"/>
+                  </a:ext>
+                </a:extLst>
+              </a:tr>
+              <a:tr h="428539">
+                <a:tc>
+                  <a:txBody>
+                    <a:bodyPr/>
+                    <a:lstStyle/>
+                    <a:p>
+                      <a:r>
+                        <a:rPr lang="en-GB" sz="1200" dirty="0"/>
+                        <a:t>px7: B</a:t>
+                      </a:r>
+                    </a:p>
+                  </a:txBody>
+                  <a:tcPr anchor="ctr">
+                    <a:solidFill>
+                      <a:srgbClr val="00B0F0"/>
+                    </a:solidFill>
+                  </a:tcPr>
+                </a:tc>
+                <a:tc>
+                  <a:txBody>
+                    <a:bodyPr/>
+                    <a:lstStyle/>
+                    <a:p>
+                      <a:r>
+                        <a:rPr lang="en-GB" sz="1200" dirty="0"/>
+                        <a:t>px8: B</a:t>
+                      </a:r>
+                    </a:p>
+                  </a:txBody>
+                  <a:tcPr anchor="ctr">
+                    <a:solidFill>
+                      <a:srgbClr val="00B0F0"/>
+                    </a:solidFill>
+                  </a:tcPr>
+                </a:tc>
+                <a:tc>
+                  <a:txBody>
+                    <a:bodyPr/>
+                    <a:lstStyle/>
+                    <a:p>
+                      <a:r>
+                        <a:rPr lang="en-GB" sz="1200" dirty="0"/>
+                        <a:t>px9: B</a:t>
+                      </a:r>
+                    </a:p>
+                  </a:txBody>
+                  <a:tcPr anchor="ctr">
+                    <a:solidFill>
+                      <a:srgbClr val="00B0F0"/>
+                    </a:solidFill>
+                  </a:tcPr>
+                </a:tc>
+                <a:extLst>
+                  <a:ext uri="{0D108BD9-81ED-4DB2-BD59-A6C34878D82A}">
+                    <a16:rowId xmlns:a16="http://schemas.microsoft.com/office/drawing/2014/main" val="2257585769"/>
+                  </a:ext>
+                </a:extLst>
+              </a:tr>
+            </a:tbl>
+          </a:graphicData>
+        </a:graphic>
+      </p:graphicFrame>
       <p:sp>
         <p:nvSpPr>
           <p:cNvPr id="7" name="Titolo 1">
@@ -6986,6 +7218,470 @@
           </a:prstGeom>
         </p:spPr>
       </p:pic>
+      <p:graphicFrame>
+        <p:nvGraphicFramePr>
+          <p:cNvPr id="5" name="Tabella 4">
+            <a:extLst>
+              <a:ext uri="{FF2B5EF4-FFF2-40B4-BE49-F238E27FC236}">
+                <a16:creationId xmlns:a16="http://schemas.microsoft.com/office/drawing/2014/main" id="{81D9D695-F30E-8AE9-0DC7-9235B1ED245F}"/>
+              </a:ext>
+            </a:extLst>
+          </p:cNvPr>
+          <p:cNvGraphicFramePr>
+            <a:graphicFrameLocks noGrp="1"/>
+          </p:cNvGraphicFramePr>
+          <p:nvPr>
+            <p:extLst>
+              <p:ext uri="{D42A27DB-BD31-4B8C-83A1-F6EECF244321}">
+                <p14:modId xmlns:p14="http://schemas.microsoft.com/office/powerpoint/2010/main" val="350415813"/>
+              </p:ext>
+            </p:extLst>
+          </p:nvPr>
+        </p:nvGraphicFramePr>
+        <p:xfrm>
+          <a:off x="1080568" y="1374366"/>
+          <a:ext cx="1852609" cy="1285617"/>
+        </p:xfrm>
+        <a:graphic>
+          <a:graphicData uri="http://schemas.openxmlformats.org/drawingml/2006/table">
+            <a:tbl>
+              <a:tblPr>
+                <a:tableStyleId>{5C22544A-7EE6-4342-B048-85BDC9FD1C3A}</a:tableStyleId>
+              </a:tblPr>
+              <a:tblGrid>
+                <a:gridCol w="625793">
+                  <a:extLst>
+                    <a:ext uri="{9D8B030D-6E8A-4147-A177-3AD203B41FA5}">
+                      <a16:colId xmlns:a16="http://schemas.microsoft.com/office/drawing/2014/main" val="1575068291"/>
+                    </a:ext>
+                  </a:extLst>
+                </a:gridCol>
+                <a:gridCol w="613408">
+                  <a:extLst>
+                    <a:ext uri="{9D8B030D-6E8A-4147-A177-3AD203B41FA5}">
+                      <a16:colId xmlns:a16="http://schemas.microsoft.com/office/drawing/2014/main" val="2370239048"/>
+                    </a:ext>
+                  </a:extLst>
+                </a:gridCol>
+                <a:gridCol w="613408">
+                  <a:extLst>
+                    <a:ext uri="{9D8B030D-6E8A-4147-A177-3AD203B41FA5}">
+                      <a16:colId xmlns:a16="http://schemas.microsoft.com/office/drawing/2014/main" val="77894203"/>
+                    </a:ext>
+                  </a:extLst>
+                </a:gridCol>
+              </a:tblGrid>
+              <a:tr h="428539">
+                <a:tc>
+                  <a:txBody>
+                    <a:bodyPr/>
+                    <a:lstStyle/>
+                    <a:p>
+                      <a:pPr algn="ctr"/>
+                      <a:r>
+                        <a:rPr lang="en-GB" sz="1200" dirty="0"/>
+                        <a:t>px1: G</a:t>
+                      </a:r>
+                    </a:p>
+                  </a:txBody>
+                  <a:tcPr anchor="ctr">
+                    <a:solidFill>
+                      <a:srgbClr val="92D050"/>
+                    </a:solidFill>
+                  </a:tcPr>
+                </a:tc>
+                <a:tc>
+                  <a:txBody>
+                    <a:bodyPr/>
+                    <a:lstStyle/>
+                    <a:p>
+                      <a:r>
+                        <a:rPr lang="en-GB" sz="1200" dirty="0"/>
+                        <a:t>px2: G</a:t>
+                      </a:r>
+                    </a:p>
+                  </a:txBody>
+                  <a:tcPr anchor="ctr">
+                    <a:solidFill>
+                      <a:srgbClr val="92D050"/>
+                    </a:solidFill>
+                  </a:tcPr>
+                </a:tc>
+                <a:tc>
+                  <a:txBody>
+                    <a:bodyPr/>
+                    <a:lstStyle/>
+                    <a:p>
+                      <a:r>
+                        <a:rPr lang="en-GB" sz="1200" dirty="0"/>
+                        <a:t>px3: G</a:t>
+                      </a:r>
+                    </a:p>
+                  </a:txBody>
+                  <a:tcPr anchor="ctr">
+                    <a:solidFill>
+                      <a:srgbClr val="92D050"/>
+                    </a:solidFill>
+                  </a:tcPr>
+                </a:tc>
+                <a:extLst>
+                  <a:ext uri="{0D108BD9-81ED-4DB2-BD59-A6C34878D82A}">
+                    <a16:rowId xmlns:a16="http://schemas.microsoft.com/office/drawing/2014/main" val="4206962069"/>
+                  </a:ext>
+                </a:extLst>
+              </a:tr>
+              <a:tr h="428539">
+                <a:tc>
+                  <a:txBody>
+                    <a:bodyPr/>
+                    <a:lstStyle/>
+                    <a:p>
+                      <a:r>
+                        <a:rPr lang="en-GB" sz="1200" dirty="0"/>
+                        <a:t>px4: G</a:t>
+                      </a:r>
+                    </a:p>
+                  </a:txBody>
+                  <a:tcPr anchor="ctr">
+                    <a:solidFill>
+                      <a:srgbClr val="92D050"/>
+                    </a:solidFill>
+                  </a:tcPr>
+                </a:tc>
+                <a:tc>
+                  <a:txBody>
+                    <a:bodyPr/>
+                    <a:lstStyle/>
+                    <a:p>
+                      <a:r>
+                        <a:rPr lang="en-GB" sz="1200" dirty="0"/>
+                        <a:t>Px5: G</a:t>
+                      </a:r>
+                    </a:p>
+                  </a:txBody>
+                  <a:tcPr anchor="ctr">
+                    <a:solidFill>
+                      <a:srgbClr val="92D050"/>
+                    </a:solidFill>
+                  </a:tcPr>
+                </a:tc>
+                <a:tc>
+                  <a:txBody>
+                    <a:bodyPr/>
+                    <a:lstStyle/>
+                    <a:p>
+                      <a:r>
+                        <a:rPr lang="en-GB" sz="1200" dirty="0"/>
+                        <a:t>px6: G</a:t>
+                      </a:r>
+                    </a:p>
+                  </a:txBody>
+                  <a:tcPr anchor="ctr">
+                    <a:solidFill>
+                      <a:srgbClr val="92D050"/>
+                    </a:solidFill>
+                  </a:tcPr>
+                </a:tc>
+                <a:extLst>
+                  <a:ext uri="{0D108BD9-81ED-4DB2-BD59-A6C34878D82A}">
+                    <a16:rowId xmlns:a16="http://schemas.microsoft.com/office/drawing/2014/main" val="1968883478"/>
+                  </a:ext>
+                </a:extLst>
+              </a:tr>
+              <a:tr h="428539">
+                <a:tc>
+                  <a:txBody>
+                    <a:bodyPr/>
+                    <a:lstStyle/>
+                    <a:p>
+                      <a:r>
+                        <a:rPr lang="en-GB" sz="1200" dirty="0"/>
+                        <a:t>px7: G</a:t>
+                      </a:r>
+                    </a:p>
+                  </a:txBody>
+                  <a:tcPr anchor="ctr">
+                    <a:solidFill>
+                      <a:srgbClr val="92D050"/>
+                    </a:solidFill>
+                  </a:tcPr>
+                </a:tc>
+                <a:tc>
+                  <a:txBody>
+                    <a:bodyPr/>
+                    <a:lstStyle/>
+                    <a:p>
+                      <a:r>
+                        <a:rPr lang="en-GB" sz="1200" dirty="0"/>
+                        <a:t>px8: G</a:t>
+                      </a:r>
+                    </a:p>
+                  </a:txBody>
+                  <a:tcPr anchor="ctr">
+                    <a:solidFill>
+                      <a:srgbClr val="92D050"/>
+                    </a:solidFill>
+                  </a:tcPr>
+                </a:tc>
+                <a:tc>
+                  <a:txBody>
+                    <a:bodyPr/>
+                    <a:lstStyle/>
+                    <a:p>
+                      <a:r>
+                        <a:rPr lang="en-GB" sz="1200" dirty="0"/>
+                        <a:t>px9: G</a:t>
+                      </a:r>
+                    </a:p>
+                  </a:txBody>
+                  <a:tcPr anchor="ctr">
+                    <a:solidFill>
+                      <a:srgbClr val="92D050"/>
+                    </a:solidFill>
+                  </a:tcPr>
+                </a:tc>
+                <a:extLst>
+                  <a:ext uri="{0D108BD9-81ED-4DB2-BD59-A6C34878D82A}">
+                    <a16:rowId xmlns:a16="http://schemas.microsoft.com/office/drawing/2014/main" val="2257585769"/>
+                  </a:ext>
+                </a:extLst>
+              </a:tr>
+            </a:tbl>
+          </a:graphicData>
+        </a:graphic>
+      </p:graphicFrame>
+      <p:graphicFrame>
+        <p:nvGraphicFramePr>
+          <p:cNvPr id="2" name="Tabella 1">
+            <a:extLst>
+              <a:ext uri="{FF2B5EF4-FFF2-40B4-BE49-F238E27FC236}">
+                <a16:creationId xmlns:a16="http://schemas.microsoft.com/office/drawing/2014/main" id="{A3925BFD-F094-ABEA-7749-52297790E964}"/>
+              </a:ext>
+            </a:extLst>
+          </p:cNvPr>
+          <p:cNvGraphicFramePr>
+            <a:graphicFrameLocks noGrp="1"/>
+          </p:cNvGraphicFramePr>
+          <p:nvPr>
+            <p:extLst>
+              <p:ext uri="{D42A27DB-BD31-4B8C-83A1-F6EECF244321}">
+                <p14:modId xmlns:p14="http://schemas.microsoft.com/office/powerpoint/2010/main" val="3891894195"/>
+              </p:ext>
+            </p:extLst>
+          </p:nvPr>
+        </p:nvGraphicFramePr>
+        <p:xfrm>
+          <a:off x="484335" y="1813802"/>
+          <a:ext cx="1835146" cy="1285617"/>
+        </p:xfrm>
+        <a:graphic>
+          <a:graphicData uri="http://schemas.openxmlformats.org/drawingml/2006/table">
+            <a:tbl>
+              <a:tblPr>
+                <a:tableStyleId>{5C22544A-7EE6-4342-B048-85BDC9FD1C3A}</a:tableStyleId>
+              </a:tblPr>
+              <a:tblGrid>
+                <a:gridCol w="608330">
+                  <a:extLst>
+                    <a:ext uri="{9D8B030D-6E8A-4147-A177-3AD203B41FA5}">
+                      <a16:colId xmlns:a16="http://schemas.microsoft.com/office/drawing/2014/main" val="1575068291"/>
+                    </a:ext>
+                  </a:extLst>
+                </a:gridCol>
+                <a:gridCol w="613408">
+                  <a:extLst>
+                    <a:ext uri="{9D8B030D-6E8A-4147-A177-3AD203B41FA5}">
+                      <a16:colId xmlns:a16="http://schemas.microsoft.com/office/drawing/2014/main" val="2370239048"/>
+                    </a:ext>
+                  </a:extLst>
+                </a:gridCol>
+                <a:gridCol w="613408">
+                  <a:extLst>
+                    <a:ext uri="{9D8B030D-6E8A-4147-A177-3AD203B41FA5}">
+                      <a16:colId xmlns:a16="http://schemas.microsoft.com/office/drawing/2014/main" val="77894203"/>
+                    </a:ext>
+                  </a:extLst>
+                </a:gridCol>
+              </a:tblGrid>
+              <a:tr h="428539">
+                <a:tc>
+                  <a:txBody>
+                    <a:bodyPr/>
+                    <a:lstStyle/>
+                    <a:p>
+                      <a:pPr algn="ctr"/>
+                      <a:r>
+                        <a:rPr lang="en-GB" sz="1200" dirty="0"/>
+                        <a:t>px1: R</a:t>
+                      </a:r>
+                    </a:p>
+                  </a:txBody>
+                  <a:tcPr anchor="ctr">
+                    <a:solidFill>
+                      <a:srgbClr val="EB6A3D"/>
+                    </a:solidFill>
+                  </a:tcPr>
+                </a:tc>
+                <a:tc>
+                  <a:txBody>
+                    <a:bodyPr/>
+                    <a:lstStyle/>
+                    <a:p>
+                      <a:r>
+                        <a:rPr lang="en-GB" sz="1200" dirty="0"/>
+                        <a:t>px2: R</a:t>
+                      </a:r>
+                    </a:p>
+                  </a:txBody>
+                  <a:tcPr anchor="ctr">
+                    <a:solidFill>
+                      <a:srgbClr val="EB6A3D"/>
+                    </a:solidFill>
+                  </a:tcPr>
+                </a:tc>
+                <a:tc>
+                  <a:txBody>
+                    <a:bodyPr/>
+                    <a:lstStyle/>
+                    <a:p>
+                      <a:r>
+                        <a:rPr lang="en-GB" sz="1200" dirty="0"/>
+                        <a:t>px3: R</a:t>
+                      </a:r>
+                    </a:p>
+                  </a:txBody>
+                  <a:tcPr anchor="ctr">
+                    <a:solidFill>
+                      <a:srgbClr val="EB6A3D"/>
+                    </a:solidFill>
+                  </a:tcPr>
+                </a:tc>
+                <a:extLst>
+                  <a:ext uri="{0D108BD9-81ED-4DB2-BD59-A6C34878D82A}">
+                    <a16:rowId xmlns:a16="http://schemas.microsoft.com/office/drawing/2014/main" val="4206962069"/>
+                  </a:ext>
+                </a:extLst>
+              </a:tr>
+              <a:tr h="428539">
+                <a:tc>
+                  <a:txBody>
+                    <a:bodyPr/>
+                    <a:lstStyle/>
+                    <a:p>
+                      <a:r>
+                        <a:rPr lang="en-GB" sz="1200" dirty="0"/>
+                        <a:t>px4: R</a:t>
+                      </a:r>
+                    </a:p>
+                  </a:txBody>
+                  <a:tcPr anchor="ctr">
+                    <a:solidFill>
+                      <a:srgbClr val="EB6A3D"/>
+                    </a:solidFill>
+                  </a:tcPr>
+                </a:tc>
+                <a:tc>
+                  <a:txBody>
+                    <a:bodyPr/>
+                    <a:lstStyle/>
+                    <a:p>
+                      <a:r>
+                        <a:rPr lang="en-GB" sz="1200" dirty="0"/>
+                        <a:t>Px5: R</a:t>
+                      </a:r>
+                    </a:p>
+                  </a:txBody>
+                  <a:tcPr anchor="ctr">
+                    <a:solidFill>
+                      <a:srgbClr val="EB6A3D"/>
+                    </a:solidFill>
+                  </a:tcPr>
+                </a:tc>
+                <a:tc>
+                  <a:txBody>
+                    <a:bodyPr/>
+                    <a:lstStyle/>
+                    <a:p>
+                      <a:r>
+                        <a:rPr lang="en-GB" sz="1200" dirty="0"/>
+                        <a:t>px6: R</a:t>
+                      </a:r>
+                    </a:p>
+                  </a:txBody>
+                  <a:tcPr anchor="ctr">
+                    <a:solidFill>
+                      <a:srgbClr val="EB6A3D"/>
+                    </a:solidFill>
+                  </a:tcPr>
+                </a:tc>
+                <a:extLst>
+                  <a:ext uri="{0D108BD9-81ED-4DB2-BD59-A6C34878D82A}">
+                    <a16:rowId xmlns:a16="http://schemas.microsoft.com/office/drawing/2014/main" val="1968883478"/>
+                  </a:ext>
+                </a:extLst>
+              </a:tr>
+              <a:tr h="428539">
+                <a:tc>
+                  <a:txBody>
+                    <a:bodyPr/>
+                    <a:lstStyle/>
+                    <a:p>
+                      <a:r>
+                        <a:rPr lang="en-GB" sz="1200" dirty="0"/>
+                        <a:t>px7: R</a:t>
+                      </a:r>
+                    </a:p>
+                  </a:txBody>
+                  <a:tcPr anchor="ctr">
+                    <a:solidFill>
+                      <a:srgbClr val="EB6A3D"/>
+                    </a:solidFill>
+                  </a:tcPr>
+                </a:tc>
+                <a:tc>
+                  <a:txBody>
+                    <a:bodyPr/>
+                    <a:lstStyle/>
+                    <a:p>
+                      <a:r>
+                        <a:rPr lang="en-GB" sz="1200" dirty="0"/>
+                        <a:t>px8: R</a:t>
+                      </a:r>
+                    </a:p>
+                  </a:txBody>
+                  <a:tcPr anchor="ctr">
+                    <a:solidFill>
+                      <a:srgbClr val="EB6A3D"/>
+                    </a:solidFill>
+                  </a:tcPr>
+                </a:tc>
+                <a:tc>
+                  <a:txBody>
+                    <a:bodyPr/>
+                    <a:lstStyle/>
+                    <a:p>
+                      <a:r>
+                        <a:rPr lang="en-GB" sz="1200" dirty="0"/>
+                        <a:t>px9: R</a:t>
+                      </a:r>
+                    </a:p>
+                  </a:txBody>
+                  <a:tcPr anchor="ctr">
+                    <a:solidFill>
+                      <a:srgbClr val="EB6A3D"/>
+                    </a:solidFill>
+                  </a:tcPr>
+                </a:tc>
+                <a:extLst>
+                  <a:ext uri="{0D108BD9-81ED-4DB2-BD59-A6C34878D82A}">
+                    <a16:rowId xmlns:a16="http://schemas.microsoft.com/office/drawing/2014/main" val="2257585769"/>
+                  </a:ext>
+                </a:extLst>
+              </a:tr>
+            </a:tbl>
+          </a:graphicData>
+        </a:graphic>
+      </p:graphicFrame>
     </p:spTree>
     <p:extLst>
       <p:ext uri="{BB962C8B-B14F-4D97-AF65-F5344CB8AC3E}">
@@ -12968,8 +13664,8 @@
           </a:p>
         </p:txBody>
       </p:sp>
-      <mc:AlternateContent xmlns:mc="http://schemas.openxmlformats.org/markup-compatibility/2006">
-        <mc:Choice xmlns:a14="http://schemas.microsoft.com/office/drawing/2010/main" Requires="a14">
+      <mc:AlternateContent xmlns:mc="http://schemas.openxmlformats.org/markup-compatibility/2006" xmlns:a14="http://schemas.microsoft.com/office/drawing/2010/main">
+        <mc:Choice Requires="a14">
           <p:sp>
             <p:nvSpPr>
               <p:cNvPr id="26" name="CasellaDiTesto 25">
@@ -13020,7 +13716,7 @@
             </p:txBody>
           </p:sp>
         </mc:Choice>
-        <mc:Fallback>
+        <mc:Fallback xmlns="">
           <p:sp>
             <p:nvSpPr>
               <p:cNvPr id="26" name="CasellaDiTesto 25">

--- a/Presentation Assets/LOGISTIC REGRESSION for IMAGE CLASSIFICATION.pptx
+++ b/Presentation Assets/LOGISTIC REGRESSION for IMAGE CLASSIFICATION.pptx
@@ -9376,8 +9376,8 @@
           </a:p>
         </p:txBody>
       </p:sp>
-      <mc:AlternateContent xmlns:mc="http://schemas.openxmlformats.org/markup-compatibility/2006" xmlns:a14="http://schemas.microsoft.com/office/drawing/2010/main">
-        <mc:Choice Requires="a14">
+      <mc:AlternateContent xmlns:mc="http://schemas.openxmlformats.org/markup-compatibility/2006">
+        <mc:Choice xmlns:a14="http://schemas.microsoft.com/office/drawing/2010/main" Requires="a14">
           <p:sp>
             <p:nvSpPr>
               <p:cNvPr id="20" name="CasellaDiTesto 19">
@@ -9393,7 +9393,7 @@
             <p:spPr>
               <a:xfrm>
                 <a:off x="9303704" y="3579105"/>
-                <a:ext cx="1443857" cy="778931"/>
+                <a:ext cx="1364028" cy="778931"/>
               </a:xfrm>
               <a:prstGeom prst="rect">
                 <a:avLst/>
@@ -9434,7 +9434,7 @@
                             <a:rPr lang="it-IT" b="0" i="1" smtClean="0">
                               <a:latin typeface="Cambria Math" panose="02040503050406030204" pitchFamily="18" charset="0"/>
                             </a:rPr>
-                            <m:t>𝑖𝑗</m:t>
+                            <m:t>𝑗</m:t>
                           </m:r>
                         </m:sub>
                       </m:sSub>
@@ -9539,7 +9539,7 @@
             </p:txBody>
           </p:sp>
         </mc:Choice>
-        <mc:Fallback xmlns="">
+        <mc:Fallback>
           <p:sp>
             <p:nvSpPr>
               <p:cNvPr id="20" name="CasellaDiTesto 19">
@@ -9557,7 +9557,7 @@
             <p:spPr>
               <a:xfrm>
                 <a:off x="9303704" y="3579105"/>
-                <a:ext cx="1443857" cy="778931"/>
+                <a:ext cx="1364028" cy="778931"/>
               </a:xfrm>
               <a:prstGeom prst="rect">
                 <a:avLst/>
@@ -9565,7 +9565,7 @@
               <a:blipFill>
                 <a:blip r:embed="rId3"/>
                 <a:stretch>
-                  <a:fillRect l="-19130" t="-109524" r="-870" b="-171429"/>
+                  <a:fillRect l="-25688" t="-109524" b="-171429"/>
                 </a:stretch>
               </a:blipFill>
             </p:spPr>
@@ -10000,8 +10000,8 @@
           </p:sp>
         </mc:Fallback>
       </mc:AlternateContent>
-      <mc:AlternateContent xmlns:mc="http://schemas.openxmlformats.org/markup-compatibility/2006" xmlns:a14="http://schemas.microsoft.com/office/drawing/2010/main">
-        <mc:Choice Requires="a14">
+      <mc:AlternateContent xmlns:mc="http://schemas.openxmlformats.org/markup-compatibility/2006">
+        <mc:Choice xmlns:a14="http://schemas.microsoft.com/office/drawing/2010/main" Requires="a14">
           <p:sp>
             <p:nvSpPr>
               <p:cNvPr id="25" name="CasellaDiTesto 24">
@@ -10123,7 +10123,7 @@
                                 <a:rPr lang="it-IT" b="0" i="1" smtClean="0">
                                   <a:latin typeface="Cambria Math" panose="02040503050406030204" pitchFamily="18" charset="0"/>
                                 </a:rPr>
-                                <m:t>𝑖𝑗</m:t>
+                                <m:t>𝑗</m:t>
                               </m:r>
                             </m:sub>
                           </m:sSub>
@@ -10359,7 +10359,7 @@
             </p:txBody>
           </p:sp>
         </mc:Choice>
-        <mc:Fallback xmlns="">
+        <mc:Fallback>
           <p:sp>
             <p:nvSpPr>
               <p:cNvPr id="25" name="CasellaDiTesto 24">
@@ -10385,7 +10385,7 @@
               <a:blipFill>
                 <a:blip r:embed="rId6"/>
                 <a:stretch>
-                  <a:fillRect l="-302" t="-111290" b="-174194"/>
+                  <a:fillRect t="-111290" b="-174194"/>
                 </a:stretch>
               </a:blipFill>
             </p:spPr>

--- a/Presentation Assets/LOGISTIC REGRESSION for IMAGE CLASSIFICATION.pptx
+++ b/Presentation Assets/LOGISTIC REGRESSION for IMAGE CLASSIFICATION.pptx
@@ -9376,8 +9376,8 @@
           </a:p>
         </p:txBody>
       </p:sp>
-      <mc:AlternateContent xmlns:mc="http://schemas.openxmlformats.org/markup-compatibility/2006">
-        <mc:Choice xmlns:a14="http://schemas.microsoft.com/office/drawing/2010/main" Requires="a14">
+      <mc:AlternateContent xmlns:mc="http://schemas.openxmlformats.org/markup-compatibility/2006" xmlns:a14="http://schemas.microsoft.com/office/drawing/2010/main">
+        <mc:Choice Requires="a14">
           <p:sp>
             <p:nvSpPr>
               <p:cNvPr id="20" name="CasellaDiTesto 19">
@@ -9539,7 +9539,7 @@
             </p:txBody>
           </p:sp>
         </mc:Choice>
-        <mc:Fallback>
+        <mc:Fallback xmlns="">
           <p:sp>
             <p:nvSpPr>
               <p:cNvPr id="20" name="CasellaDiTesto 19">
@@ -10000,8 +10000,8 @@
           </p:sp>
         </mc:Fallback>
       </mc:AlternateContent>
-      <mc:AlternateContent xmlns:mc="http://schemas.openxmlformats.org/markup-compatibility/2006">
-        <mc:Choice xmlns:a14="http://schemas.microsoft.com/office/drawing/2010/main" Requires="a14">
+      <mc:AlternateContent xmlns:mc="http://schemas.openxmlformats.org/markup-compatibility/2006" xmlns:a14="http://schemas.microsoft.com/office/drawing/2010/main">
+        <mc:Choice Requires="a14">
           <p:sp>
             <p:nvSpPr>
               <p:cNvPr id="25" name="CasellaDiTesto 24">
@@ -10359,7 +10359,7 @@
             </p:txBody>
           </p:sp>
         </mc:Choice>
-        <mc:Fallback>
+        <mc:Fallback xmlns="">
           <p:sp>
             <p:nvSpPr>
               <p:cNvPr id="25" name="CasellaDiTesto 24">
